--- a/店家315.pptx
+++ b/店家315.pptx
@@ -13,6 +13,7 @@
     <p:sldId id="261" r:id="rId7"/>
     <p:sldId id="262" r:id="rId8"/>
     <p:sldId id="263" r:id="rId9"/>
+    <p:sldId id="264" r:id="rId10"/>
   </p:sldIdLst>
   <p:sldSz cx="12192000" cy="6858000"/>
   <p:notesSz cx="6858000" cy="9144000"/>
@@ -111,6 +112,11 @@
       </a:defRPr>
     </a:lvl9pPr>
   </p:defaultTextStyle>
+  <p:extLst>
+    <p:ext uri="{EFAFB233-063F-42B5-8137-9DF3F51BA10A}">
+      <p15:sldGuideLst xmlns:p15="http://schemas.microsoft.com/office/powerpoint/2012/main"/>
+    </p:ext>
+  </p:extLst>
 </p:presentation>
 </file>
 
@@ -9499,7 +9505,7 @@
             <a:fld id="{5586B75A-687E-405C-8A0B-8D00578BA2C3}" type="datetimeFigureOut">
               <a:rPr lang="en-US" dirty="0"/>
               <a:pPr/>
-              <a:t>3/15/2018</a:t>
+              <a:t>3/16/2018</a:t>
             </a:fld>
             <a:endParaRPr lang="en-US" dirty="0"/>
           </a:p>
@@ -9666,7 +9672,7 @@
             <a:fld id="{5586B75A-687E-405C-8A0B-8D00578BA2C3}" type="datetimeFigureOut">
               <a:rPr lang="en-US" dirty="0"/>
               <a:pPr/>
-              <a:t>3/15/2018</a:t>
+              <a:t>3/16/2018</a:t>
             </a:fld>
             <a:endParaRPr lang="en-US" dirty="0"/>
           </a:p>
@@ -9843,7 +9849,7 @@
             <a:fld id="{5586B75A-687E-405C-8A0B-8D00578BA2C3}" type="datetimeFigureOut">
               <a:rPr lang="en-US" dirty="0"/>
               <a:pPr/>
-              <a:t>3/15/2018</a:t>
+              <a:t>3/16/2018</a:t>
             </a:fld>
             <a:endParaRPr lang="en-US" dirty="0"/>
           </a:p>
@@ -10010,7 +10016,7 @@
             <a:fld id="{5586B75A-687E-405C-8A0B-8D00578BA2C3}" type="datetimeFigureOut">
               <a:rPr lang="en-US" dirty="0"/>
               <a:pPr/>
-              <a:t>3/15/2018</a:t>
+              <a:t>3/16/2018</a:t>
             </a:fld>
             <a:endParaRPr lang="en-US" dirty="0"/>
           </a:p>
@@ -10265,7 +10271,7 @@
             <a:fld id="{5586B75A-687E-405C-8A0B-8D00578BA2C3}" type="datetimeFigureOut">
               <a:rPr lang="en-US" dirty="0"/>
               <a:pPr/>
-              <a:t>3/15/2018</a:t>
+              <a:t>3/16/2018</a:t>
             </a:fld>
             <a:endParaRPr lang="en-US" dirty="0"/>
           </a:p>
@@ -10550,7 +10556,7 @@
             <a:fld id="{5586B75A-687E-405C-8A0B-8D00578BA2C3}" type="datetimeFigureOut">
               <a:rPr lang="en-US" dirty="0"/>
               <a:pPr/>
-              <a:t>3/15/2018</a:t>
+              <a:t>3/16/2018</a:t>
             </a:fld>
             <a:endParaRPr lang="en-US" dirty="0"/>
           </a:p>
@@ -10989,7 +10995,7 @@
             <a:fld id="{5586B75A-687E-405C-8A0B-8D00578BA2C3}" type="datetimeFigureOut">
               <a:rPr lang="en-US" dirty="0"/>
               <a:pPr/>
-              <a:t>3/15/2018</a:t>
+              <a:t>3/16/2018</a:t>
             </a:fld>
             <a:endParaRPr lang="en-US" dirty="0"/>
           </a:p>
@@ -11104,7 +11110,7 @@
             <a:fld id="{5586B75A-687E-405C-8A0B-8D00578BA2C3}" type="datetimeFigureOut">
               <a:rPr lang="en-US" dirty="0"/>
               <a:pPr/>
-              <a:t>3/15/2018</a:t>
+              <a:t>3/16/2018</a:t>
             </a:fld>
             <a:endParaRPr lang="en-US" dirty="0"/>
           </a:p>
@@ -11196,7 +11202,7 @@
             <a:fld id="{5586B75A-687E-405C-8A0B-8D00578BA2C3}" type="datetimeFigureOut">
               <a:rPr lang="en-US" dirty="0"/>
               <a:pPr/>
-              <a:t>3/15/2018</a:t>
+              <a:t>3/16/2018</a:t>
             </a:fld>
             <a:endParaRPr lang="en-US" dirty="0"/>
           </a:p>
@@ -11481,7 +11487,7 @@
             <a:fld id="{5586B75A-687E-405C-8A0B-8D00578BA2C3}" type="datetimeFigureOut">
               <a:rPr lang="en-US" dirty="0"/>
               <a:pPr/>
-              <a:t>3/15/2018</a:t>
+              <a:t>3/16/2018</a:t>
             </a:fld>
             <a:endParaRPr lang="en-US" dirty="0"/>
           </a:p>
@@ -11751,7 +11757,7 @@
             <a:fld id="{5586B75A-687E-405C-8A0B-8D00578BA2C3}" type="datetimeFigureOut">
               <a:rPr lang="en-US" dirty="0"/>
               <a:pPr/>
-              <a:t>3/15/2018</a:t>
+              <a:t>3/16/2018</a:t>
             </a:fld>
             <a:endParaRPr lang="en-US" dirty="0"/>
           </a:p>
@@ -12045,7 +12051,7 @@
             <a:fld id="{5586B75A-687E-405C-8A0B-8D00578BA2C3}" type="datetimeFigureOut">
               <a:rPr lang="en-US" dirty="0"/>
               <a:pPr/>
-              <a:t>3/15/2018</a:t>
+              <a:t>3/16/2018</a:t>
             </a:fld>
             <a:endParaRPr lang="en-US" dirty="0"/>
           </a:p>
@@ -13393,6 +13399,86 @@
 </p:sld>
 </file>
 
+<file path=ppt/slides/slide9.xml><?xml version="1.0" encoding="utf-8"?>
+<p:sld xmlns:a="http://schemas.openxmlformats.org/drawingml/2006/main" xmlns:r="http://schemas.openxmlformats.org/officeDocument/2006/relationships" xmlns:p="http://schemas.openxmlformats.org/presentationml/2006/main">
+  <p:cSld>
+    <p:spTree>
+      <p:nvGrpSpPr>
+        <p:cNvPr id="1" name=""/>
+        <p:cNvGrpSpPr/>
+        <p:nvPr/>
+      </p:nvGrpSpPr>
+      <p:grpSpPr>
+        <a:xfrm>
+          <a:off x="0" y="0"/>
+          <a:ext cx="0" cy="0"/>
+          <a:chOff x="0" y="0"/>
+          <a:chExt cx="0" cy="0"/>
+        </a:xfrm>
+      </p:grpSpPr>
+      <p:sp>
+        <p:nvSpPr>
+          <p:cNvPr id="2" name="標題 1">
+            <a:extLst>
+              <a:ext uri="{FF2B5EF4-FFF2-40B4-BE49-F238E27FC236}">
+                <a16:creationId xmlns:a16="http://schemas.microsoft.com/office/drawing/2014/main" id="{D81AFC33-4B77-402E-9CE5-128133E27A7F}"/>
+              </a:ext>
+            </a:extLst>
+          </p:cNvPr>
+          <p:cNvSpPr>
+            <a:spLocks noGrp="1"/>
+          </p:cNvSpPr>
+          <p:nvPr>
+            <p:ph type="title"/>
+          </p:nvPr>
+        </p:nvSpPr>
+        <p:spPr/>
+        <p:txBody>
+          <a:bodyPr/>
+          <a:lstStyle/>
+          <a:p>
+            <a:endParaRPr lang="zh-TW" altLang="en-US"/>
+          </a:p>
+        </p:txBody>
+      </p:sp>
+      <p:sp>
+        <p:nvSpPr>
+          <p:cNvPr id="3" name="內容版面配置區 2">
+            <a:extLst>
+              <a:ext uri="{FF2B5EF4-FFF2-40B4-BE49-F238E27FC236}">
+                <a16:creationId xmlns:a16="http://schemas.microsoft.com/office/drawing/2014/main" id="{747EE813-FBE2-4A62-A91C-9872D242E9EB}"/>
+              </a:ext>
+            </a:extLst>
+          </p:cNvPr>
+          <p:cNvSpPr>
+            <a:spLocks noGrp="1"/>
+          </p:cNvSpPr>
+          <p:nvPr>
+            <p:ph idx="1"/>
+          </p:nvPr>
+        </p:nvSpPr>
+        <p:spPr/>
+        <p:txBody>
+          <a:bodyPr/>
+          <a:lstStyle/>
+          <a:p>
+            <a:endParaRPr lang="zh-TW" altLang="en-US"/>
+          </a:p>
+        </p:txBody>
+      </p:sp>
+    </p:spTree>
+    <p:extLst>
+      <p:ext uri="{BB962C8B-B14F-4D97-AF65-F5344CB8AC3E}">
+        <p14:creationId xmlns:p14="http://schemas.microsoft.com/office/powerpoint/2010/main" val="4293707154"/>
+      </p:ext>
+    </p:extLst>
+  </p:cSld>
+  <p:clrMapOvr>
+    <a:masterClrMapping/>
+  </p:clrMapOvr>
+</p:sld>
+</file>
+
 <file path=ppt/theme/theme1.xml><?xml version="1.0" encoding="utf-8"?>
 <a:theme xmlns:a="http://schemas.openxmlformats.org/drawingml/2006/main" name="框架">
   <a:themeElements>

--- a/店家315.pptx
+++ b/店家315.pptx
@@ -14,6 +14,7 @@
     <p:sldId id="262" r:id="rId8"/>
     <p:sldId id="263" r:id="rId9"/>
     <p:sldId id="264" r:id="rId10"/>
+    <p:sldId id="265" r:id="rId11"/>
   </p:sldIdLst>
   <p:sldSz cx="12192000" cy="6858000"/>
   <p:notesSz cx="6858000" cy="9144000"/>
@@ -12596,6 +12597,90 @@
 </p:sld>
 </file>
 
+<file path=ppt/slides/slide10.xml><?xml version="1.0" encoding="utf-8"?>
+<p:sld xmlns:a="http://schemas.openxmlformats.org/drawingml/2006/main" xmlns:r="http://schemas.openxmlformats.org/officeDocument/2006/relationships" xmlns:p="http://schemas.openxmlformats.org/presentationml/2006/main">
+  <p:cSld>
+    <p:spTree>
+      <p:nvGrpSpPr>
+        <p:cNvPr id="1" name=""/>
+        <p:cNvGrpSpPr/>
+        <p:nvPr/>
+      </p:nvGrpSpPr>
+      <p:grpSpPr>
+        <a:xfrm>
+          <a:off x="0" y="0"/>
+          <a:ext cx="0" cy="0"/>
+          <a:chOff x="0" y="0"/>
+          <a:chExt cx="0" cy="0"/>
+        </a:xfrm>
+      </p:grpSpPr>
+      <p:sp>
+        <p:nvSpPr>
+          <p:cNvPr id="2" name="標題 1">
+            <a:extLst>
+              <a:ext uri="{FF2B5EF4-FFF2-40B4-BE49-F238E27FC236}">
+                <a16:creationId xmlns:a16="http://schemas.microsoft.com/office/drawing/2014/main" id="{D81AFC33-4B77-402E-9CE5-128133E27A7F}"/>
+              </a:ext>
+            </a:extLst>
+          </p:cNvPr>
+          <p:cNvSpPr>
+            <a:spLocks noGrp="1"/>
+          </p:cNvSpPr>
+          <p:nvPr>
+            <p:ph type="title"/>
+          </p:nvPr>
+        </p:nvSpPr>
+        <p:spPr/>
+        <p:txBody>
+          <a:bodyPr/>
+          <a:lstStyle/>
+          <a:p>
+            <a:r>
+              <a:rPr lang="en-US" altLang="zh-TW"/>
+              <a:t>3</a:t>
+            </a:r>
+            <a:endParaRPr lang="zh-TW" altLang="en-US"/>
+          </a:p>
+        </p:txBody>
+      </p:sp>
+      <p:sp>
+        <p:nvSpPr>
+          <p:cNvPr id="3" name="內容版面配置區 2">
+            <a:extLst>
+              <a:ext uri="{FF2B5EF4-FFF2-40B4-BE49-F238E27FC236}">
+                <a16:creationId xmlns:a16="http://schemas.microsoft.com/office/drawing/2014/main" id="{747EE813-FBE2-4A62-A91C-9872D242E9EB}"/>
+              </a:ext>
+            </a:extLst>
+          </p:cNvPr>
+          <p:cNvSpPr>
+            <a:spLocks noGrp="1"/>
+          </p:cNvSpPr>
+          <p:nvPr>
+            <p:ph idx="1"/>
+          </p:nvPr>
+        </p:nvSpPr>
+        <p:spPr/>
+        <p:txBody>
+          <a:bodyPr/>
+          <a:lstStyle/>
+          <a:p>
+            <a:endParaRPr lang="zh-TW" altLang="en-US"/>
+          </a:p>
+        </p:txBody>
+      </p:sp>
+    </p:spTree>
+    <p:extLst>
+      <p:ext uri="{BB962C8B-B14F-4D97-AF65-F5344CB8AC3E}">
+        <p14:creationId xmlns:p14="http://schemas.microsoft.com/office/powerpoint/2010/main" val="2689135045"/>
+      </p:ext>
+    </p:extLst>
+  </p:cSld>
+  <p:clrMapOvr>
+    <a:masterClrMapping/>
+  </p:clrMapOvr>
+</p:sld>
+</file>
+
 <file path=ppt/slides/slide2.xml><?xml version="1.0" encoding="utf-8"?>
 <p:sld xmlns:a="http://schemas.openxmlformats.org/drawingml/2006/main" xmlns:r="http://schemas.openxmlformats.org/officeDocument/2006/relationships" xmlns:p="http://schemas.openxmlformats.org/presentationml/2006/main">
   <p:cSld>
